--- a/test prosedyre/modifed images.pptx
+++ b/test prosedyre/modifed images.pptx
@@ -106,6 +106,11 @@
       </a:defRPr>
     </a:lvl9pPr>
   </p:defaultTextStyle>
+  <p:extLst>
+    <p:ext uri="{EFAFB233-063F-42B5-8137-9DF3F51BA10A}">
+      <p15:sldGuideLst xmlns:p15="http://schemas.microsoft.com/office/powerpoint/2012/main"/>
+    </p:ext>
+  </p:extLst>
 </p:presentation>
 </file>
 
@@ -258,7 +263,7 @@
           <a:p>
             <a:fld id="{E3822BAF-E594-4E81-8009-4ED81FDFC87D}" type="datetimeFigureOut">
               <a:rPr lang="en-GB" smtClean="0"/>
-              <a:t>07/02/2025</a:t>
+              <a:t>14/03/2025</a:t>
             </a:fld>
             <a:endParaRPr lang="en-GB"/>
           </a:p>
@@ -458,7 +463,7 @@
           <a:p>
             <a:fld id="{E3822BAF-E594-4E81-8009-4ED81FDFC87D}" type="datetimeFigureOut">
               <a:rPr lang="en-GB" smtClean="0"/>
-              <a:t>07/02/2025</a:t>
+              <a:t>14/03/2025</a:t>
             </a:fld>
             <a:endParaRPr lang="en-GB"/>
           </a:p>
@@ -668,7 +673,7 @@
           <a:p>
             <a:fld id="{E3822BAF-E594-4E81-8009-4ED81FDFC87D}" type="datetimeFigureOut">
               <a:rPr lang="en-GB" smtClean="0"/>
-              <a:t>07/02/2025</a:t>
+              <a:t>14/03/2025</a:t>
             </a:fld>
             <a:endParaRPr lang="en-GB"/>
           </a:p>
@@ -868,7 +873,7 @@
           <a:p>
             <a:fld id="{E3822BAF-E594-4E81-8009-4ED81FDFC87D}" type="datetimeFigureOut">
               <a:rPr lang="en-GB" smtClean="0"/>
-              <a:t>07/02/2025</a:t>
+              <a:t>14/03/2025</a:t>
             </a:fld>
             <a:endParaRPr lang="en-GB"/>
           </a:p>
@@ -1144,7 +1149,7 @@
           <a:p>
             <a:fld id="{E3822BAF-E594-4E81-8009-4ED81FDFC87D}" type="datetimeFigureOut">
               <a:rPr lang="en-GB" smtClean="0"/>
-              <a:t>07/02/2025</a:t>
+              <a:t>14/03/2025</a:t>
             </a:fld>
             <a:endParaRPr lang="en-GB"/>
           </a:p>
@@ -1412,7 +1417,7 @@
           <a:p>
             <a:fld id="{E3822BAF-E594-4E81-8009-4ED81FDFC87D}" type="datetimeFigureOut">
               <a:rPr lang="en-GB" smtClean="0"/>
-              <a:t>07/02/2025</a:t>
+              <a:t>14/03/2025</a:t>
             </a:fld>
             <a:endParaRPr lang="en-GB"/>
           </a:p>
@@ -1827,7 +1832,7 @@
           <a:p>
             <a:fld id="{E3822BAF-E594-4E81-8009-4ED81FDFC87D}" type="datetimeFigureOut">
               <a:rPr lang="en-GB" smtClean="0"/>
-              <a:t>07/02/2025</a:t>
+              <a:t>14/03/2025</a:t>
             </a:fld>
             <a:endParaRPr lang="en-GB"/>
           </a:p>
@@ -1969,7 +1974,7 @@
           <a:p>
             <a:fld id="{E3822BAF-E594-4E81-8009-4ED81FDFC87D}" type="datetimeFigureOut">
               <a:rPr lang="en-GB" smtClean="0"/>
-              <a:t>07/02/2025</a:t>
+              <a:t>14/03/2025</a:t>
             </a:fld>
             <a:endParaRPr lang="en-GB"/>
           </a:p>
@@ -2082,7 +2087,7 @@
           <a:p>
             <a:fld id="{E3822BAF-E594-4E81-8009-4ED81FDFC87D}" type="datetimeFigureOut">
               <a:rPr lang="en-GB" smtClean="0"/>
-              <a:t>07/02/2025</a:t>
+              <a:t>14/03/2025</a:t>
             </a:fld>
             <a:endParaRPr lang="en-GB"/>
           </a:p>
@@ -2395,7 +2400,7 @@
           <a:p>
             <a:fld id="{E3822BAF-E594-4E81-8009-4ED81FDFC87D}" type="datetimeFigureOut">
               <a:rPr lang="en-GB" smtClean="0"/>
-              <a:t>07/02/2025</a:t>
+              <a:t>14/03/2025</a:t>
             </a:fld>
             <a:endParaRPr lang="en-GB"/>
           </a:p>
@@ -2684,7 +2689,7 @@
           <a:p>
             <a:fld id="{E3822BAF-E594-4E81-8009-4ED81FDFC87D}" type="datetimeFigureOut">
               <a:rPr lang="en-GB" smtClean="0"/>
-              <a:t>07/02/2025</a:t>
+              <a:t>14/03/2025</a:t>
             </a:fld>
             <a:endParaRPr lang="en-GB"/>
           </a:p>
@@ -2927,7 +2932,7 @@
           <a:p>
             <a:fld id="{E3822BAF-E594-4E81-8009-4ED81FDFC87D}" type="datetimeFigureOut">
               <a:rPr lang="en-GB" smtClean="0"/>
-              <a:t>07/02/2025</a:t>
+              <a:t>14/03/2025</a:t>
             </a:fld>
             <a:endParaRPr lang="en-GB"/>
           </a:p>
@@ -4027,315 +4032,137 @@
           <a:chExt cx="0" cy="0"/>
         </a:xfrm>
       </p:grpSpPr>
-      <p:pic>
-        <p:nvPicPr>
-          <p:cNvPr id="5" name="Picture 4" descr="A red crane with green blue and purple parts&#10;&#10;AI-generated content may be incorrect.">
-            <a:extLst>
-              <a:ext uri="{FF2B5EF4-FFF2-40B4-BE49-F238E27FC236}">
-                <a16:creationId xmlns:a16="http://schemas.microsoft.com/office/drawing/2014/main" id="{4534C301-E5EC-E8B2-A7AA-84504849CCDA}"/>
-              </a:ext>
-            </a:extLst>
-          </p:cNvPr>
-          <p:cNvPicPr>
-            <a:picLocks noChangeAspect="1"/>
-          </p:cNvPicPr>
-          <p:nvPr/>
-        </p:nvPicPr>
-        <p:blipFill>
-          <a:blip r:embed="rId2">
-            <a:extLst>
-              <a:ext uri="{28A0092B-C50C-407E-A947-70E740481C1C}">
-                <a14:useLocalDpi xmlns:a14="http://schemas.microsoft.com/office/drawing/2010/main" val="0"/>
-              </a:ext>
-            </a:extLst>
-          </a:blip>
-          <a:stretch>
-            <a:fillRect/>
-          </a:stretch>
-        </p:blipFill>
-        <p:spPr>
-          <a:xfrm>
-            <a:off x="2632553" y="0"/>
-            <a:ext cx="6926893" cy="6858000"/>
-          </a:xfrm>
-          <a:prstGeom prst="rect">
-            <a:avLst/>
-          </a:prstGeom>
-        </p:spPr>
-      </p:pic>
-      <p:sp>
-        <p:nvSpPr>
-          <p:cNvPr id="6" name="Oval 5">
-            <a:extLst>
-              <a:ext uri="{FF2B5EF4-FFF2-40B4-BE49-F238E27FC236}">
-                <a16:creationId xmlns:a16="http://schemas.microsoft.com/office/drawing/2014/main" id="{4BD9B940-7E19-B79C-56BA-2D29818ADA8C}"/>
-              </a:ext>
-            </a:extLst>
-          </p:cNvPr>
-          <p:cNvSpPr/>
-          <p:nvPr/>
-        </p:nvSpPr>
-        <p:spPr>
-          <a:xfrm>
-            <a:off x="8858864" y="1258528"/>
-            <a:ext cx="288000" cy="288000"/>
-          </a:xfrm>
-          <a:prstGeom prst="ellipse">
-            <a:avLst/>
-          </a:prstGeom>
-        </p:spPr>
-        <p:style>
-          <a:lnRef idx="2">
-            <a:schemeClr val="dk1">
-              <a:shade val="15000"/>
-            </a:schemeClr>
-          </a:lnRef>
-          <a:fillRef idx="1">
-            <a:schemeClr val="dk1"/>
-          </a:fillRef>
-          <a:effectRef idx="0">
-            <a:schemeClr val="dk1"/>
-          </a:effectRef>
-          <a:fontRef idx="minor">
-            <a:schemeClr val="lt1"/>
-          </a:fontRef>
-        </p:style>
-        <p:txBody>
-          <a:bodyPr rtlCol="0" anchor="ctr"/>
-          <a:lstStyle/>
-          <a:p>
-            <a:pPr algn="ctr"/>
-            <a:endParaRPr lang="en-GB"/>
-          </a:p>
-        </p:txBody>
-      </p:sp>
-      <p:cxnSp>
-        <p:nvCxnSpPr>
-          <p:cNvPr id="8" name="Straight Connector 7">
-            <a:extLst>
-              <a:ext uri="{FF2B5EF4-FFF2-40B4-BE49-F238E27FC236}">
-                <a16:creationId xmlns:a16="http://schemas.microsoft.com/office/drawing/2014/main" id="{D9781D3E-A3E0-E31A-FA4B-8085251AD59B}"/>
-              </a:ext>
-            </a:extLst>
-          </p:cNvPr>
-          <p:cNvCxnSpPr>
-            <a:cxnSpLocks/>
-            <a:endCxn id="6" idx="0"/>
-          </p:cNvCxnSpPr>
-          <p:nvPr/>
-        </p:nvCxnSpPr>
-        <p:spPr>
-          <a:xfrm>
-            <a:off x="5920740" y="1196340"/>
-            <a:ext cx="3082124" cy="62188"/>
-          </a:xfrm>
-          <a:prstGeom prst="line">
-            <a:avLst/>
-          </a:prstGeom>
-          <a:ln w="38100">
-            <a:solidFill>
-              <a:schemeClr val="tx1"/>
-            </a:solidFill>
-          </a:ln>
-        </p:spPr>
-        <p:style>
-          <a:lnRef idx="2">
-            <a:schemeClr val="accent1"/>
-          </a:lnRef>
-          <a:fillRef idx="0">
-            <a:schemeClr val="accent1"/>
-          </a:fillRef>
-          <a:effectRef idx="1">
-            <a:schemeClr val="accent1"/>
-          </a:effectRef>
-          <a:fontRef idx="minor">
-            <a:schemeClr val="tx1"/>
-          </a:fontRef>
-        </p:style>
-      </p:cxnSp>
-      <p:cxnSp>
-        <p:nvCxnSpPr>
-          <p:cNvPr id="11" name="Straight Connector 10">
-            <a:extLst>
-              <a:ext uri="{FF2B5EF4-FFF2-40B4-BE49-F238E27FC236}">
-                <a16:creationId xmlns:a16="http://schemas.microsoft.com/office/drawing/2014/main" id="{9CFCEB8A-A2A2-EBDC-4099-C090DC3BEDD8}"/>
-              </a:ext>
-            </a:extLst>
-          </p:cNvPr>
-          <p:cNvCxnSpPr>
-            <a:cxnSpLocks/>
-          </p:cNvCxnSpPr>
-          <p:nvPr/>
-        </p:nvCxnSpPr>
-        <p:spPr>
-          <a:xfrm>
-            <a:off x="9146864" y="1402528"/>
-            <a:ext cx="0" cy="2262692"/>
-          </a:xfrm>
-          <a:prstGeom prst="line">
-            <a:avLst/>
-          </a:prstGeom>
-          <a:ln w="38100">
-            <a:solidFill>
-              <a:schemeClr val="tx1"/>
-            </a:solidFill>
-          </a:ln>
-        </p:spPr>
-        <p:style>
-          <a:lnRef idx="2">
-            <a:schemeClr val="accent1"/>
-          </a:lnRef>
-          <a:fillRef idx="0">
-            <a:schemeClr val="accent1"/>
-          </a:fillRef>
-          <a:effectRef idx="1">
-            <a:schemeClr val="accent1"/>
-          </a:effectRef>
-          <a:fontRef idx="minor">
-            <a:schemeClr val="tx1"/>
-          </a:fontRef>
-        </p:style>
-      </p:cxnSp>
-      <p:sp>
-        <p:nvSpPr>
-          <p:cNvPr id="14" name="Arc 13">
-            <a:extLst>
-              <a:ext uri="{FF2B5EF4-FFF2-40B4-BE49-F238E27FC236}">
-                <a16:creationId xmlns:a16="http://schemas.microsoft.com/office/drawing/2014/main" id="{0408AB58-270C-B7DD-A626-C6056F1D6FC2}"/>
-              </a:ext>
-            </a:extLst>
-          </p:cNvPr>
-          <p:cNvSpPr/>
-          <p:nvPr/>
-        </p:nvSpPr>
-        <p:spPr>
-          <a:xfrm>
-            <a:off x="8858863" y="1258528"/>
-            <a:ext cx="288002" cy="288000"/>
-          </a:xfrm>
-          <a:prstGeom prst="arc">
-            <a:avLst/>
-          </a:prstGeom>
-          <a:ln w="38100">
-            <a:solidFill>
-              <a:schemeClr val="tx1"/>
-            </a:solidFill>
-          </a:ln>
-        </p:spPr>
-        <p:style>
-          <a:lnRef idx="2">
-            <a:schemeClr val="accent1"/>
-          </a:lnRef>
-          <a:fillRef idx="0">
-            <a:schemeClr val="accent1"/>
-          </a:fillRef>
-          <a:effectRef idx="1">
-            <a:schemeClr val="accent1"/>
-          </a:effectRef>
-          <a:fontRef idx="minor">
-            <a:schemeClr val="tx1"/>
-          </a:fontRef>
-        </p:style>
-        <p:txBody>
-          <a:bodyPr rtlCol="0" anchor="ctr"/>
-          <a:lstStyle/>
-          <a:p>
-            <a:pPr algn="ctr"/>
-            <a:endParaRPr lang="en-GB"/>
-          </a:p>
-        </p:txBody>
-      </p:sp>
-      <p:sp>
-        <p:nvSpPr>
-          <p:cNvPr id="15" name="Rectangle: Top Corners Snipped 14">
-            <a:extLst>
-              <a:ext uri="{FF2B5EF4-FFF2-40B4-BE49-F238E27FC236}">
-                <a16:creationId xmlns:a16="http://schemas.microsoft.com/office/drawing/2014/main" id="{58FE887F-E4FF-0AAE-276E-C497214AD879}"/>
-              </a:ext>
-            </a:extLst>
-          </p:cNvPr>
-          <p:cNvSpPr/>
-          <p:nvPr/>
-        </p:nvSpPr>
-        <p:spPr>
-          <a:xfrm>
-            <a:off x="8933506" y="3665220"/>
-            <a:ext cx="426715" cy="329184"/>
-          </a:xfrm>
-          <a:prstGeom prst="snip2SameRect">
-            <a:avLst/>
-          </a:prstGeom>
-        </p:spPr>
-        <p:style>
-          <a:lnRef idx="2">
-            <a:schemeClr val="dk1">
-              <a:shade val="15000"/>
-            </a:schemeClr>
-          </a:lnRef>
-          <a:fillRef idx="1">
-            <a:schemeClr val="dk1"/>
-          </a:fillRef>
-          <a:effectRef idx="0">
-            <a:schemeClr val="dk1"/>
-          </a:effectRef>
-          <a:fontRef idx="minor">
-            <a:schemeClr val="lt1"/>
-          </a:fontRef>
-        </p:style>
-        <p:txBody>
-          <a:bodyPr rtlCol="0" anchor="ctr"/>
-          <a:lstStyle/>
-          <a:p>
-            <a:pPr algn="ctr"/>
-            <a:endParaRPr lang="en-GB"/>
-          </a:p>
-        </p:txBody>
-      </p:sp>
       <p:grpSp>
         <p:nvGrpSpPr>
-          <p:cNvPr id="22" name="Group 21">
-            <a:extLst>
-              <a:ext uri="{FF2B5EF4-FFF2-40B4-BE49-F238E27FC236}">
-                <a16:creationId xmlns:a16="http://schemas.microsoft.com/office/drawing/2014/main" id="{FA7E2344-0A0A-3C54-1D94-AF2609459626}"/>
-              </a:ext>
-            </a:extLst>
-          </p:cNvPr>
-          <p:cNvGrpSpPr/>
+          <p:cNvPr id="2" name="Group 1">
+            <a:extLst>
+              <a:ext uri="{FF2B5EF4-FFF2-40B4-BE49-F238E27FC236}">
+                <a16:creationId xmlns:a16="http://schemas.microsoft.com/office/drawing/2014/main" id="{3FEB0F9C-5464-438D-162A-03C486601613}"/>
+              </a:ext>
+            </a:extLst>
+          </p:cNvPr>
+          <p:cNvGrpSpPr>
+            <a:grpSpLocks noChangeAspect="1"/>
+          </p:cNvGrpSpPr>
           <p:nvPr/>
         </p:nvGrpSpPr>
         <p:grpSpPr>
           <a:xfrm>
-            <a:off x="9434865" y="2973324"/>
-            <a:ext cx="180000" cy="1712976"/>
-            <a:chOff x="9883056" y="3133344"/>
-            <a:chExt cx="180000" cy="1712976"/>
+            <a:off x="2632553" y="0"/>
+            <a:ext cx="6982312" cy="6858000"/>
+            <a:chOff x="2632553" y="0"/>
+            <a:chExt cx="6982312" cy="6858000"/>
           </a:xfrm>
         </p:grpSpPr>
-        <p:cxnSp>
-          <p:nvCxnSpPr>
-            <p:cNvPr id="17" name="Straight Arrow Connector 16">
+        <p:pic>
+          <p:nvPicPr>
+            <p:cNvPr id="5" name="Picture 4" descr="A red crane with green blue and purple parts&#10;&#10;AI-generated content may be incorrect.">
               <a:extLst>
                 <a:ext uri="{FF2B5EF4-FFF2-40B4-BE49-F238E27FC236}">
-                  <a16:creationId xmlns:a16="http://schemas.microsoft.com/office/drawing/2014/main" id="{F9AF4357-8E85-5B44-3EFF-7B91B7EA67EF}"/>
+                  <a16:creationId xmlns:a16="http://schemas.microsoft.com/office/drawing/2014/main" id="{4534C301-E5EC-E8B2-A7AA-84504849CCDA}"/>
                 </a:ext>
               </a:extLst>
             </p:cNvPr>
-            <p:cNvCxnSpPr/>
+            <p:cNvPicPr>
+              <a:picLocks noChangeAspect="1"/>
+            </p:cNvPicPr>
+            <p:nvPr/>
+          </p:nvPicPr>
+          <p:blipFill>
+            <a:blip r:embed="rId2">
+              <a:extLst>
+                <a:ext uri="{28A0092B-C50C-407E-A947-70E740481C1C}">
+                  <a14:useLocalDpi xmlns:a14="http://schemas.microsoft.com/office/drawing/2010/main" val="0"/>
+                </a:ext>
+              </a:extLst>
+            </a:blip>
+            <a:stretch>
+              <a:fillRect/>
+            </a:stretch>
+          </p:blipFill>
+          <p:spPr>
+            <a:xfrm>
+              <a:off x="2632553" y="0"/>
+              <a:ext cx="6926893" cy="6858000"/>
+            </a:xfrm>
+            <a:prstGeom prst="rect">
+              <a:avLst/>
+            </a:prstGeom>
+          </p:spPr>
+        </p:pic>
+        <p:sp>
+          <p:nvSpPr>
+            <p:cNvPr id="6" name="Oval 5">
+              <a:extLst>
+                <a:ext uri="{FF2B5EF4-FFF2-40B4-BE49-F238E27FC236}">
+                  <a16:creationId xmlns:a16="http://schemas.microsoft.com/office/drawing/2014/main" id="{4BD9B940-7E19-B79C-56BA-2D29818ADA8C}"/>
+                </a:ext>
+              </a:extLst>
+            </p:cNvPr>
+            <p:cNvSpPr/>
+            <p:nvPr/>
+          </p:nvSpPr>
+          <p:spPr>
+            <a:xfrm>
+              <a:off x="8858864" y="1258528"/>
+              <a:ext cx="288000" cy="288000"/>
+            </a:xfrm>
+            <a:prstGeom prst="ellipse">
+              <a:avLst/>
+            </a:prstGeom>
+          </p:spPr>
+          <p:style>
+            <a:lnRef idx="2">
+              <a:schemeClr val="dk1">
+                <a:shade val="15000"/>
+              </a:schemeClr>
+            </a:lnRef>
+            <a:fillRef idx="1">
+              <a:schemeClr val="dk1"/>
+            </a:fillRef>
+            <a:effectRef idx="0">
+              <a:schemeClr val="dk1"/>
+            </a:effectRef>
+            <a:fontRef idx="minor">
+              <a:schemeClr val="lt1"/>
+            </a:fontRef>
+          </p:style>
+          <p:txBody>
+            <a:bodyPr rtlCol="0" anchor="ctr"/>
+            <a:lstStyle/>
+            <a:p>
+              <a:pPr algn="ctr"/>
+              <a:endParaRPr lang="en-GB"/>
+            </a:p>
+          </p:txBody>
+        </p:sp>
+        <p:cxnSp>
+          <p:nvCxnSpPr>
+            <p:cNvPr id="8" name="Straight Connector 7">
+              <a:extLst>
+                <a:ext uri="{FF2B5EF4-FFF2-40B4-BE49-F238E27FC236}">
+                  <a16:creationId xmlns:a16="http://schemas.microsoft.com/office/drawing/2014/main" id="{D9781D3E-A3E0-E31A-FA4B-8085251AD59B}"/>
+                </a:ext>
+              </a:extLst>
+            </p:cNvPr>
+            <p:cNvCxnSpPr>
+              <a:cxnSpLocks/>
+              <a:endCxn id="6" idx="0"/>
+            </p:cNvCxnSpPr>
             <p:nvPr/>
           </p:nvCxnSpPr>
           <p:spPr>
-            <a:xfrm flipV="1">
-              <a:off x="9973056" y="3133344"/>
-              <a:ext cx="0" cy="737616"/>
+            <a:xfrm>
+              <a:off x="5920740" y="1196340"/>
+              <a:ext cx="3082124" cy="62188"/>
             </a:xfrm>
-            <a:prstGeom prst="straightConnector1">
+            <a:prstGeom prst="line">
               <a:avLst/>
             </a:prstGeom>
             <a:ln w="38100">
               <a:solidFill>
-                <a:srgbClr val="FFC000"/>
+                <a:schemeClr val="tx1"/>
               </a:solidFill>
-              <a:tailEnd type="triangle"/>
             </a:ln>
           </p:spPr>
           <p:style>
@@ -4355,10 +4182,10 @@
         </p:cxnSp>
         <p:cxnSp>
           <p:nvCxnSpPr>
-            <p:cNvPr id="20" name="Straight Arrow Connector 19">
+            <p:cNvPr id="11" name="Straight Connector 10">
               <a:extLst>
                 <a:ext uri="{FF2B5EF4-FFF2-40B4-BE49-F238E27FC236}">
-                  <a16:creationId xmlns:a16="http://schemas.microsoft.com/office/drawing/2014/main" id="{3F15CE99-0F4F-5A31-EB24-44FF411F162C}"/>
+                  <a16:creationId xmlns:a16="http://schemas.microsoft.com/office/drawing/2014/main" id="{9CFCEB8A-A2A2-EBDC-4099-C090DC3BEDD8}"/>
                 </a:ext>
               </a:extLst>
             </p:cNvPr>
@@ -4368,18 +4195,17 @@
             <p:nvPr/>
           </p:nvCxnSpPr>
           <p:spPr>
-            <a:xfrm rot="10800000" flipV="1">
-              <a:off x="9979152" y="4108704"/>
-              <a:ext cx="0" cy="737616"/>
+            <a:xfrm>
+              <a:off x="9146864" y="1402528"/>
+              <a:ext cx="0" cy="2262692"/>
             </a:xfrm>
-            <a:prstGeom prst="straightConnector1">
+            <a:prstGeom prst="line">
               <a:avLst/>
             </a:prstGeom>
             <a:ln w="38100">
               <a:solidFill>
-                <a:srgbClr val="FFC000"/>
+                <a:schemeClr val="tx1"/>
               </a:solidFill>
-              <a:tailEnd type="triangle"/>
             </a:ln>
           </p:spPr>
           <p:style>
@@ -4399,10 +4225,10 @@
         </p:cxnSp>
         <p:sp>
           <p:nvSpPr>
-            <p:cNvPr id="21" name="Oval 20">
+            <p:cNvPr id="14" name="Arc 13">
               <a:extLst>
                 <a:ext uri="{FF2B5EF4-FFF2-40B4-BE49-F238E27FC236}">
-                  <a16:creationId xmlns:a16="http://schemas.microsoft.com/office/drawing/2014/main" id="{2FBA6A06-8A65-3B1C-D2DC-294DB798108A}"/>
+                  <a16:creationId xmlns:a16="http://schemas.microsoft.com/office/drawing/2014/main" id="{0408AB58-270C-B7DD-A626-C6056F1D6FC2}"/>
                 </a:ext>
               </a:extLst>
             </p:cNvPr>
@@ -4411,32 +4237,73 @@
           </p:nvSpPr>
           <p:spPr>
             <a:xfrm>
-              <a:off x="9883056" y="3904404"/>
-              <a:ext cx="180000" cy="180000"/>
+              <a:off x="8858863" y="1258528"/>
+              <a:ext cx="288002" cy="288000"/>
             </a:xfrm>
-            <a:prstGeom prst="ellipse">
+            <a:prstGeom prst="arc">
               <a:avLst/>
             </a:prstGeom>
-            <a:solidFill>
-              <a:srgbClr val="FFC000"/>
-            </a:solidFill>
-            <a:ln>
+            <a:ln w="38100">
               <a:solidFill>
-                <a:srgbClr val="FFC000"/>
+                <a:schemeClr val="tx1"/>
               </a:solidFill>
             </a:ln>
           </p:spPr>
           <p:style>
             <a:lnRef idx="2">
-              <a:schemeClr val="accent1">
+              <a:schemeClr val="accent1"/>
+            </a:lnRef>
+            <a:fillRef idx="0">
+              <a:schemeClr val="accent1"/>
+            </a:fillRef>
+            <a:effectRef idx="1">
+              <a:schemeClr val="accent1"/>
+            </a:effectRef>
+            <a:fontRef idx="minor">
+              <a:schemeClr val="tx1"/>
+            </a:fontRef>
+          </p:style>
+          <p:txBody>
+            <a:bodyPr rtlCol="0" anchor="ctr"/>
+            <a:lstStyle/>
+            <a:p>
+              <a:pPr algn="ctr"/>
+              <a:endParaRPr lang="en-GB"/>
+            </a:p>
+          </p:txBody>
+        </p:sp>
+        <p:sp>
+          <p:nvSpPr>
+            <p:cNvPr id="15" name="Rectangle: Top Corners Snipped 14">
+              <a:extLst>
+                <a:ext uri="{FF2B5EF4-FFF2-40B4-BE49-F238E27FC236}">
+                  <a16:creationId xmlns:a16="http://schemas.microsoft.com/office/drawing/2014/main" id="{58FE887F-E4FF-0AAE-276E-C497214AD879}"/>
+                </a:ext>
+              </a:extLst>
+            </p:cNvPr>
+            <p:cNvSpPr/>
+            <p:nvPr/>
+          </p:nvSpPr>
+          <p:spPr>
+            <a:xfrm>
+              <a:off x="8933506" y="3665220"/>
+              <a:ext cx="426715" cy="329184"/>
+            </a:xfrm>
+            <a:prstGeom prst="snip2SameRect">
+              <a:avLst/>
+            </a:prstGeom>
+          </p:spPr>
+          <p:style>
+            <a:lnRef idx="2">
+              <a:schemeClr val="dk1">
                 <a:shade val="15000"/>
               </a:schemeClr>
             </a:lnRef>
             <a:fillRef idx="1">
-              <a:schemeClr val="accent1"/>
+              <a:schemeClr val="dk1"/>
             </a:fillRef>
             <a:effectRef idx="0">
-              <a:schemeClr val="accent1"/>
+              <a:schemeClr val="dk1"/>
             </a:effectRef>
             <a:fontRef idx="minor">
               <a:schemeClr val="lt1"/>
@@ -4451,6 +4318,167 @@
             </a:p>
           </p:txBody>
         </p:sp>
+        <p:grpSp>
+          <p:nvGrpSpPr>
+            <p:cNvPr id="22" name="Group 21">
+              <a:extLst>
+                <a:ext uri="{FF2B5EF4-FFF2-40B4-BE49-F238E27FC236}">
+                  <a16:creationId xmlns:a16="http://schemas.microsoft.com/office/drawing/2014/main" id="{FA7E2344-0A0A-3C54-1D94-AF2609459626}"/>
+                </a:ext>
+              </a:extLst>
+            </p:cNvPr>
+            <p:cNvGrpSpPr/>
+            <p:nvPr/>
+          </p:nvGrpSpPr>
+          <p:grpSpPr>
+            <a:xfrm>
+              <a:off x="9434865" y="2973324"/>
+              <a:ext cx="180000" cy="1712976"/>
+              <a:chOff x="9883056" y="3133344"/>
+              <a:chExt cx="180000" cy="1712976"/>
+            </a:xfrm>
+          </p:grpSpPr>
+          <p:cxnSp>
+            <p:nvCxnSpPr>
+              <p:cNvPr id="17" name="Straight Arrow Connector 16">
+                <a:extLst>
+                  <a:ext uri="{FF2B5EF4-FFF2-40B4-BE49-F238E27FC236}">
+                    <a16:creationId xmlns:a16="http://schemas.microsoft.com/office/drawing/2014/main" id="{F9AF4357-8E85-5B44-3EFF-7B91B7EA67EF}"/>
+                  </a:ext>
+                </a:extLst>
+              </p:cNvPr>
+              <p:cNvCxnSpPr/>
+              <p:nvPr/>
+            </p:nvCxnSpPr>
+            <p:spPr>
+              <a:xfrm flipV="1">
+                <a:off x="9973056" y="3133344"/>
+                <a:ext cx="0" cy="737616"/>
+              </a:xfrm>
+              <a:prstGeom prst="straightConnector1">
+                <a:avLst/>
+              </a:prstGeom>
+              <a:ln w="38100">
+                <a:solidFill>
+                  <a:srgbClr val="FFC000"/>
+                </a:solidFill>
+                <a:tailEnd type="triangle"/>
+              </a:ln>
+            </p:spPr>
+            <p:style>
+              <a:lnRef idx="2">
+                <a:schemeClr val="accent1"/>
+              </a:lnRef>
+              <a:fillRef idx="0">
+                <a:schemeClr val="accent1"/>
+              </a:fillRef>
+              <a:effectRef idx="1">
+                <a:schemeClr val="accent1"/>
+              </a:effectRef>
+              <a:fontRef idx="minor">
+                <a:schemeClr val="tx1"/>
+              </a:fontRef>
+            </p:style>
+          </p:cxnSp>
+          <p:cxnSp>
+            <p:nvCxnSpPr>
+              <p:cNvPr id="20" name="Straight Arrow Connector 19">
+                <a:extLst>
+                  <a:ext uri="{FF2B5EF4-FFF2-40B4-BE49-F238E27FC236}">
+                    <a16:creationId xmlns:a16="http://schemas.microsoft.com/office/drawing/2014/main" id="{3F15CE99-0F4F-5A31-EB24-44FF411F162C}"/>
+                  </a:ext>
+                </a:extLst>
+              </p:cNvPr>
+              <p:cNvCxnSpPr>
+                <a:cxnSpLocks/>
+              </p:cNvCxnSpPr>
+              <p:nvPr/>
+            </p:nvCxnSpPr>
+            <p:spPr>
+              <a:xfrm rot="10800000" flipV="1">
+                <a:off x="9979152" y="4108704"/>
+                <a:ext cx="0" cy="737616"/>
+              </a:xfrm>
+              <a:prstGeom prst="straightConnector1">
+                <a:avLst/>
+              </a:prstGeom>
+              <a:ln w="38100">
+                <a:solidFill>
+                  <a:srgbClr val="FFC000"/>
+                </a:solidFill>
+                <a:tailEnd type="triangle"/>
+              </a:ln>
+            </p:spPr>
+            <p:style>
+              <a:lnRef idx="2">
+                <a:schemeClr val="accent1"/>
+              </a:lnRef>
+              <a:fillRef idx="0">
+                <a:schemeClr val="accent1"/>
+              </a:fillRef>
+              <a:effectRef idx="1">
+                <a:schemeClr val="accent1"/>
+              </a:effectRef>
+              <a:fontRef idx="minor">
+                <a:schemeClr val="tx1"/>
+              </a:fontRef>
+            </p:style>
+          </p:cxnSp>
+          <p:sp>
+            <p:nvSpPr>
+              <p:cNvPr id="21" name="Oval 20">
+                <a:extLst>
+                  <a:ext uri="{FF2B5EF4-FFF2-40B4-BE49-F238E27FC236}">
+                    <a16:creationId xmlns:a16="http://schemas.microsoft.com/office/drawing/2014/main" id="{2FBA6A06-8A65-3B1C-D2DC-294DB798108A}"/>
+                  </a:ext>
+                </a:extLst>
+              </p:cNvPr>
+              <p:cNvSpPr/>
+              <p:nvPr/>
+            </p:nvSpPr>
+            <p:spPr>
+              <a:xfrm>
+                <a:off x="9883056" y="3904404"/>
+                <a:ext cx="180000" cy="180000"/>
+              </a:xfrm>
+              <a:prstGeom prst="ellipse">
+                <a:avLst/>
+              </a:prstGeom>
+              <a:solidFill>
+                <a:srgbClr val="FFC000"/>
+              </a:solidFill>
+              <a:ln>
+                <a:solidFill>
+                  <a:srgbClr val="FFC000"/>
+                </a:solidFill>
+              </a:ln>
+            </p:spPr>
+            <p:style>
+              <a:lnRef idx="2">
+                <a:schemeClr val="accent1">
+                  <a:shade val="15000"/>
+                </a:schemeClr>
+              </a:lnRef>
+              <a:fillRef idx="1">
+                <a:schemeClr val="accent1"/>
+              </a:fillRef>
+              <a:effectRef idx="0">
+                <a:schemeClr val="accent1"/>
+              </a:effectRef>
+              <a:fontRef idx="minor">
+                <a:schemeClr val="lt1"/>
+              </a:fontRef>
+            </p:style>
+            <p:txBody>
+              <a:bodyPr rtlCol="0" anchor="ctr"/>
+              <a:lstStyle/>
+              <a:p>
+                <a:pPr algn="ctr"/>
+                <a:endParaRPr lang="en-GB"/>
+              </a:p>
+            </p:txBody>
+          </p:sp>
+        </p:grpSp>
       </p:grpSp>
     </p:spTree>
     <p:extLst>
